--- a/R/AdvancedR/wk6/ggplot_ppt.pptx
+++ b/R/AdvancedR/wk6/ggplot_ppt.pptx
@@ -10,6 +10,7 @@
     <p:sldId id="274" r:id="rId4"/>
     <p:sldId id="285" r:id="rId5"/>
     <p:sldId id="301" r:id="rId6"/>
+    <p:sldId id="302" r:id="rId7"/>
   </p:sldIdLst>
   <p:sldSz cx="12192000" cy="6858000"/>
   <p:notesSz cx="6858000" cy="9144000"/>
@@ -265,7 +266,7 @@
           <a:p>
             <a:fld id="{0D601649-51A8-4219-BA9E-5B55B9948C88}" type="datetimeFigureOut">
               <a:rPr lang="en-CA" smtClean="0"/>
-              <a:t>2022-03-19</a:t>
+              <a:t>2022-03-20</a:t>
             </a:fld>
             <a:endParaRPr lang="en-CA" dirty="0"/>
           </a:p>
@@ -465,7 +466,7 @@
           <a:p>
             <a:fld id="{0D601649-51A8-4219-BA9E-5B55B9948C88}" type="datetimeFigureOut">
               <a:rPr lang="en-CA" smtClean="0"/>
-              <a:t>2022-03-19</a:t>
+              <a:t>2022-03-20</a:t>
             </a:fld>
             <a:endParaRPr lang="en-CA" dirty="0"/>
           </a:p>
@@ -675,7 +676,7 @@
           <a:p>
             <a:fld id="{0D601649-51A8-4219-BA9E-5B55B9948C88}" type="datetimeFigureOut">
               <a:rPr lang="en-CA" smtClean="0"/>
-              <a:t>2022-03-19</a:t>
+              <a:t>2022-03-20</a:t>
             </a:fld>
             <a:endParaRPr lang="en-CA" dirty="0"/>
           </a:p>
@@ -875,7 +876,7 @@
           <a:p>
             <a:fld id="{0D601649-51A8-4219-BA9E-5B55B9948C88}" type="datetimeFigureOut">
               <a:rPr lang="en-CA" smtClean="0"/>
-              <a:t>2022-03-19</a:t>
+              <a:t>2022-03-20</a:t>
             </a:fld>
             <a:endParaRPr lang="en-CA" dirty="0"/>
           </a:p>
@@ -1151,7 +1152,7 @@
           <a:p>
             <a:fld id="{0D601649-51A8-4219-BA9E-5B55B9948C88}" type="datetimeFigureOut">
               <a:rPr lang="en-CA" smtClean="0"/>
-              <a:t>2022-03-19</a:t>
+              <a:t>2022-03-20</a:t>
             </a:fld>
             <a:endParaRPr lang="en-CA" dirty="0"/>
           </a:p>
@@ -1419,7 +1420,7 @@
           <a:p>
             <a:fld id="{0D601649-51A8-4219-BA9E-5B55B9948C88}" type="datetimeFigureOut">
               <a:rPr lang="en-CA" smtClean="0"/>
-              <a:t>2022-03-19</a:t>
+              <a:t>2022-03-20</a:t>
             </a:fld>
             <a:endParaRPr lang="en-CA" dirty="0"/>
           </a:p>
@@ -1834,7 +1835,7 @@
           <a:p>
             <a:fld id="{0D601649-51A8-4219-BA9E-5B55B9948C88}" type="datetimeFigureOut">
               <a:rPr lang="en-CA" smtClean="0"/>
-              <a:t>2022-03-19</a:t>
+              <a:t>2022-03-20</a:t>
             </a:fld>
             <a:endParaRPr lang="en-CA" dirty="0"/>
           </a:p>
@@ -1976,7 +1977,7 @@
           <a:p>
             <a:fld id="{0D601649-51A8-4219-BA9E-5B55B9948C88}" type="datetimeFigureOut">
               <a:rPr lang="en-CA" smtClean="0"/>
-              <a:t>2022-03-19</a:t>
+              <a:t>2022-03-20</a:t>
             </a:fld>
             <a:endParaRPr lang="en-CA" dirty="0"/>
           </a:p>
@@ -2089,7 +2090,7 @@
           <a:p>
             <a:fld id="{0D601649-51A8-4219-BA9E-5B55B9948C88}" type="datetimeFigureOut">
               <a:rPr lang="en-CA" smtClean="0"/>
-              <a:t>2022-03-19</a:t>
+              <a:t>2022-03-20</a:t>
             </a:fld>
             <a:endParaRPr lang="en-CA" dirty="0"/>
           </a:p>
@@ -2402,7 +2403,7 @@
           <a:p>
             <a:fld id="{0D601649-51A8-4219-BA9E-5B55B9948C88}" type="datetimeFigureOut">
               <a:rPr lang="en-CA" smtClean="0"/>
-              <a:t>2022-03-19</a:t>
+              <a:t>2022-03-20</a:t>
             </a:fld>
             <a:endParaRPr lang="en-CA" dirty="0"/>
           </a:p>
@@ -2691,7 +2692,7 @@
           <a:p>
             <a:fld id="{0D601649-51A8-4219-BA9E-5B55B9948C88}" type="datetimeFigureOut">
               <a:rPr lang="en-CA" smtClean="0"/>
-              <a:t>2022-03-19</a:t>
+              <a:t>2022-03-20</a:t>
             </a:fld>
             <a:endParaRPr lang="en-CA" dirty="0"/>
           </a:p>
@@ -2934,7 +2935,7 @@
           <a:p>
             <a:fld id="{0D601649-51A8-4219-BA9E-5B55B9948C88}" type="datetimeFigureOut">
               <a:rPr lang="en-CA" smtClean="0"/>
-              <a:t>2022-03-19</a:t>
+              <a:t>2022-03-20</a:t>
             </a:fld>
             <a:endParaRPr lang="en-CA" dirty="0"/>
           </a:p>
@@ -6171,6 +6172,446 @@
 </p:sld>
 </file>
 
+<file path=ppt/slides/slide6.xml><?xml version="1.0" encoding="utf-8"?>
+<p:sld xmlns:a="http://schemas.openxmlformats.org/drawingml/2006/main" xmlns:r="http://schemas.openxmlformats.org/officeDocument/2006/relationships" xmlns:p="http://schemas.openxmlformats.org/presentationml/2006/main">
+  <p:cSld>
+    <p:bg>
+      <p:bgPr>
+        <a:solidFill>
+          <a:schemeClr val="bg1"/>
+        </a:solidFill>
+        <a:effectLst/>
+      </p:bgPr>
+    </p:bg>
+    <p:spTree>
+      <p:nvGrpSpPr>
+        <p:cNvPr id="1" name=""/>
+        <p:cNvGrpSpPr/>
+        <p:nvPr/>
+      </p:nvGrpSpPr>
+      <p:grpSpPr>
+        <a:xfrm>
+          <a:off x="0" y="0"/>
+          <a:ext cx="0" cy="0"/>
+          <a:chOff x="0" y="0"/>
+          <a:chExt cx="0" cy="0"/>
+        </a:xfrm>
+      </p:grpSpPr>
+      <p:sp useBgFill="1">
+        <p:nvSpPr>
+          <p:cNvPr id="31" name="Rectangle 20">
+            <a:extLst>
+              <a:ext uri="{FF2B5EF4-FFF2-40B4-BE49-F238E27FC236}">
+                <a16:creationId xmlns:a16="http://schemas.microsoft.com/office/drawing/2014/main" id="{979E27D9-03C7-44E2-9FF8-15D0C8506AF7}"/>
+              </a:ext>
+              <a:ext uri="{C183D7F6-B498-43B3-948B-1728B52AA6E4}">
+                <adec:decorative xmlns:adec="http://schemas.microsoft.com/office/drawing/2017/decorative" val="1"/>
+              </a:ext>
+            </a:extLst>
+          </p:cNvPr>
+          <p:cNvSpPr>
+            <a:spLocks noGrp="1" noRot="1" noChangeAspect="1" noMove="1" noResize="1" noEditPoints="1" noAdjustHandles="1" noChangeArrowheads="1" noChangeShapeType="1" noTextEdit="1"/>
+          </p:cNvSpPr>
+          <p:nvPr>
+            <p:extLst>
+              <p:ext uri="{386F3935-93C4-4BCD-93E2-E3B085C9AB24}">
+                <p16:designElem xmlns:p16="http://schemas.microsoft.com/office/powerpoint/2015/main" val="1"/>
+              </p:ext>
+            </p:extLst>
+          </p:nvPr>
+        </p:nvSpPr>
+        <p:spPr>
+          <a:xfrm>
+            <a:off x="0" y="0"/>
+            <a:ext cx="12192000" cy="6858000"/>
+          </a:xfrm>
+          <a:prstGeom prst="rect">
+            <a:avLst/>
+          </a:prstGeom>
+          <a:ln w="12700" cap="flat" cmpd="sng" algn="ctr">
+            <a:noFill/>
+            <a:prstDash val="solid"/>
+            <a:miter lim="800000"/>
+          </a:ln>
+          <a:effectLst/>
+          <a:extLst>
+            <a:ext uri="{91240B29-F687-4F45-9708-019B960494DF}">
+              <a14:hiddenLine xmlns:a14="http://schemas.microsoft.com/office/drawing/2010/main" w="12700" cap="flat" cmpd="sng" algn="ctr">
+                <a:solidFill>
+                  <a:schemeClr val="accent1">
+                    <a:shade val="50000"/>
+                  </a:schemeClr>
+                </a:solidFill>
+                <a:prstDash val="solid"/>
+                <a:miter lim="800000"/>
+              </a14:hiddenLine>
+            </a:ext>
+          </a:extLst>
+        </p:spPr>
+        <p:style>
+          <a:lnRef idx="2">
+            <a:schemeClr val="accent1">
+              <a:shade val="50000"/>
+            </a:schemeClr>
+          </a:lnRef>
+          <a:fillRef idx="1">
+            <a:schemeClr val="accent1"/>
+          </a:fillRef>
+          <a:effectRef idx="0">
+            <a:schemeClr val="accent1"/>
+          </a:effectRef>
+          <a:fontRef idx="minor">
+            <a:schemeClr val="lt1"/>
+          </a:fontRef>
+        </p:style>
+        <p:txBody>
+          <a:bodyPr rtlCol="0" anchor="ctr"/>
+          <a:lstStyle/>
+          <a:p>
+            <a:pPr algn="ctr"/>
+            <a:endParaRPr lang="en-US" dirty="0"/>
+          </a:p>
+        </p:txBody>
+      </p:sp>
+      <p:sp>
+        <p:nvSpPr>
+          <p:cNvPr id="32" name="Rectangle 22">
+            <a:extLst>
+              <a:ext uri="{FF2B5EF4-FFF2-40B4-BE49-F238E27FC236}">
+                <a16:creationId xmlns:a16="http://schemas.microsoft.com/office/drawing/2014/main" id="{EEBF1590-3B36-48EE-A89D-3B6F3CB256AB}"/>
+              </a:ext>
+              <a:ext uri="{C183D7F6-B498-43B3-948B-1728B52AA6E4}">
+                <adec:decorative xmlns:adec="http://schemas.microsoft.com/office/drawing/2017/decorative" val="1"/>
+              </a:ext>
+            </a:extLst>
+          </p:cNvPr>
+          <p:cNvSpPr>
+            <a:spLocks noGrp="1" noRot="1" noChangeAspect="1" noMove="1" noResize="1" noEditPoints="1" noAdjustHandles="1" noChangeArrowheads="1" noChangeShapeType="1" noTextEdit="1"/>
+          </p:cNvSpPr>
+          <p:nvPr>
+            <p:extLst>
+              <p:ext uri="{386F3935-93C4-4BCD-93E2-E3B085C9AB24}">
+                <p16:designElem xmlns:p16="http://schemas.microsoft.com/office/powerpoint/2015/main" val="1"/>
+              </p:ext>
+            </p:extLst>
+          </p:nvPr>
+        </p:nvSpPr>
+        <p:spPr>
+          <a:xfrm rot="10800000" flipH="1">
+            <a:off x="0" y="6400799"/>
+            <a:ext cx="12192000" cy="456773"/>
+          </a:xfrm>
+          <a:prstGeom prst="rect">
+            <a:avLst/>
+          </a:prstGeom>
+          <a:gradFill>
+            <a:gsLst>
+              <a:gs pos="0">
+                <a:schemeClr val="accent1"/>
+              </a:gs>
+              <a:gs pos="100000">
+                <a:schemeClr val="accent1">
+                  <a:lumMod val="50000"/>
+                </a:schemeClr>
+              </a:gs>
+            </a:gsLst>
+            <a:lin ang="6600000" scaled="0"/>
+          </a:gradFill>
+          <a:ln>
+            <a:noFill/>
+          </a:ln>
+        </p:spPr>
+        <p:style>
+          <a:lnRef idx="2">
+            <a:schemeClr val="accent1">
+              <a:shade val="50000"/>
+            </a:schemeClr>
+          </a:lnRef>
+          <a:fillRef idx="1">
+            <a:schemeClr val="accent1"/>
+          </a:fillRef>
+          <a:effectRef idx="0">
+            <a:schemeClr val="accent1"/>
+          </a:effectRef>
+          <a:fontRef idx="minor">
+            <a:schemeClr val="lt1"/>
+          </a:fontRef>
+        </p:style>
+        <p:txBody>
+          <a:bodyPr rtlCol="0" anchor="ctr"/>
+          <a:lstStyle/>
+          <a:p>
+            <a:pPr algn="ctr"/>
+            <a:endParaRPr lang="en-US" dirty="0"/>
+          </a:p>
+        </p:txBody>
+      </p:sp>
+      <p:sp>
+        <p:nvSpPr>
+          <p:cNvPr id="33" name="Rectangle 24">
+            <a:extLst>
+              <a:ext uri="{FF2B5EF4-FFF2-40B4-BE49-F238E27FC236}">
+                <a16:creationId xmlns:a16="http://schemas.microsoft.com/office/drawing/2014/main" id="{AC8F6C8C-AB5A-4548-942D-E3FD40ACBC49}"/>
+              </a:ext>
+              <a:ext uri="{C183D7F6-B498-43B3-948B-1728B52AA6E4}">
+                <adec:decorative xmlns:adec="http://schemas.microsoft.com/office/drawing/2017/decorative" val="1"/>
+              </a:ext>
+            </a:extLst>
+          </p:cNvPr>
+          <p:cNvSpPr>
+            <a:spLocks noGrp="1" noRot="1" noChangeAspect="1" noMove="1" noResize="1" noEditPoints="1" noAdjustHandles="1" noChangeArrowheads="1" noChangeShapeType="1" noTextEdit="1"/>
+          </p:cNvSpPr>
+          <p:nvPr>
+            <p:extLst>
+              <p:ext uri="{386F3935-93C4-4BCD-93E2-E3B085C9AB24}">
+                <p16:designElem xmlns:p16="http://schemas.microsoft.com/office/powerpoint/2015/main" val="1"/>
+              </p:ext>
+            </p:extLst>
+          </p:nvPr>
+        </p:nvSpPr>
+        <p:spPr>
+          <a:xfrm flipH="1">
+            <a:off x="4038600" y="6400799"/>
+            <a:ext cx="8153398" cy="456772"/>
+          </a:xfrm>
+          <a:prstGeom prst="rect">
+            <a:avLst/>
+          </a:prstGeom>
+          <a:gradFill>
+            <a:gsLst>
+              <a:gs pos="0">
+                <a:srgbClr val="000000">
+                  <a:alpha val="76000"/>
+                </a:srgbClr>
+              </a:gs>
+              <a:gs pos="100000">
+                <a:schemeClr val="accent1"/>
+              </a:gs>
+            </a:gsLst>
+            <a:lin ang="17400000" scaled="0"/>
+          </a:gradFill>
+          <a:ln>
+            <a:noFill/>
+          </a:ln>
+        </p:spPr>
+        <p:style>
+          <a:lnRef idx="2">
+            <a:schemeClr val="accent1">
+              <a:shade val="50000"/>
+            </a:schemeClr>
+          </a:lnRef>
+          <a:fillRef idx="1">
+            <a:schemeClr val="accent1"/>
+          </a:fillRef>
+          <a:effectRef idx="0">
+            <a:schemeClr val="accent1"/>
+          </a:effectRef>
+          <a:fontRef idx="minor">
+            <a:schemeClr val="lt1"/>
+          </a:fontRef>
+        </p:style>
+        <p:txBody>
+          <a:bodyPr rtlCol="0" anchor="ctr"/>
+          <a:lstStyle/>
+          <a:p>
+            <a:pPr algn="ctr"/>
+            <a:endParaRPr lang="en-US" dirty="0"/>
+          </a:p>
+        </p:txBody>
+      </p:sp>
+      <p:pic>
+        <p:nvPicPr>
+          <p:cNvPr id="5" name="Content Placeholder 4" descr="Logo&#10;&#10;Description automatically generated with medium confidence">
+            <a:extLst>
+              <a:ext uri="{FF2B5EF4-FFF2-40B4-BE49-F238E27FC236}">
+                <a16:creationId xmlns:a16="http://schemas.microsoft.com/office/drawing/2014/main" id="{D45B6C06-472A-4FAF-ABFC-9E549C7F0B64}"/>
+              </a:ext>
+            </a:extLst>
+          </p:cNvPr>
+          <p:cNvPicPr>
+            <a:picLocks noGrp="1" noChangeAspect="1"/>
+          </p:cNvPicPr>
+          <p:nvPr>
+            <p:ph idx="1"/>
+          </p:nvPr>
+        </p:nvPicPr>
+        <p:blipFill>
+          <a:blip r:embed="rId2">
+            <a:extLst>
+              <a:ext uri="{28A0092B-C50C-407E-A947-70E740481C1C}">
+                <a14:useLocalDpi xmlns:a14="http://schemas.microsoft.com/office/drawing/2010/main" val="0"/>
+              </a:ext>
+            </a:extLst>
+          </a:blip>
+          <a:stretch>
+            <a:fillRect/>
+          </a:stretch>
+        </p:blipFill>
+        <p:spPr>
+          <a:xfrm>
+            <a:off x="10485000" y="96676"/>
+            <a:ext cx="1706998" cy="456772"/>
+          </a:xfrm>
+        </p:spPr>
+      </p:pic>
+      <p:cxnSp>
+        <p:nvCxnSpPr>
+          <p:cNvPr id="22" name="Straight Connector 21">
+            <a:extLst>
+              <a:ext uri="{FF2B5EF4-FFF2-40B4-BE49-F238E27FC236}">
+                <a16:creationId xmlns:a16="http://schemas.microsoft.com/office/drawing/2014/main" id="{9AAA96B7-99DF-4292-A7CE-1E6B55682D98}"/>
+              </a:ext>
+            </a:extLst>
+          </p:cNvPr>
+          <p:cNvCxnSpPr/>
+          <p:nvPr/>
+        </p:nvCxnSpPr>
+        <p:spPr>
+          <a:xfrm>
+            <a:off x="0" y="496604"/>
+            <a:ext cx="10800000" cy="0"/>
+          </a:xfrm>
+          <a:prstGeom prst="line">
+            <a:avLst/>
+          </a:prstGeom>
+          <a:ln w="38100"/>
+        </p:spPr>
+        <p:style>
+          <a:lnRef idx="1">
+            <a:schemeClr val="accent1"/>
+          </a:lnRef>
+          <a:fillRef idx="0">
+            <a:schemeClr val="accent1"/>
+          </a:fillRef>
+          <a:effectRef idx="0">
+            <a:schemeClr val="accent1"/>
+          </a:effectRef>
+          <a:fontRef idx="minor">
+            <a:schemeClr val="tx1"/>
+          </a:fontRef>
+        </p:style>
+      </p:cxnSp>
+      <p:pic>
+        <p:nvPicPr>
+          <p:cNvPr id="1026" name="Picture 2" descr="See the source image">
+            <a:extLst>
+              <a:ext uri="{FF2B5EF4-FFF2-40B4-BE49-F238E27FC236}">
+                <a16:creationId xmlns:a16="http://schemas.microsoft.com/office/drawing/2014/main" id="{AE6488D8-DD72-4A91-BA24-CD1B0FF97D9D}"/>
+              </a:ext>
+            </a:extLst>
+          </p:cNvPr>
+          <p:cNvPicPr>
+            <a:picLocks noChangeAspect="1" noChangeArrowheads="1"/>
+          </p:cNvPicPr>
+          <p:nvPr/>
+        </p:nvPicPr>
+        <p:blipFill>
+          <a:blip r:embed="rId3">
+            <a:extLst>
+              <a:ext uri="{28A0092B-C50C-407E-A947-70E740481C1C}">
+                <a14:useLocalDpi xmlns:a14="http://schemas.microsoft.com/office/drawing/2010/main" val="0"/>
+              </a:ext>
+            </a:extLst>
+          </a:blip>
+          <a:srcRect/>
+          <a:stretch>
+            <a:fillRect/>
+          </a:stretch>
+        </p:blipFill>
+        <p:spPr bwMode="auto">
+          <a:xfrm>
+            <a:off x="3444536" y="604838"/>
+            <a:ext cx="5353235" cy="5648325"/>
+          </a:xfrm>
+          <a:prstGeom prst="rect">
+            <a:avLst/>
+          </a:prstGeom>
+          <a:noFill/>
+          <a:extLst>
+            <a:ext uri="{909E8E84-426E-40DD-AFC4-6F175D3DCCD1}">
+              <a14:hiddenFill xmlns:a14="http://schemas.microsoft.com/office/drawing/2010/main">
+                <a:solidFill>
+                  <a:srgbClr val="FFFFFF"/>
+                </a:solidFill>
+              </a14:hiddenFill>
+            </a:ext>
+          </a:extLst>
+        </p:spPr>
+      </p:pic>
+      <p:sp>
+        <p:nvSpPr>
+          <p:cNvPr id="13" name="Title 1">
+            <a:extLst>
+              <a:ext uri="{FF2B5EF4-FFF2-40B4-BE49-F238E27FC236}">
+                <a16:creationId xmlns:a16="http://schemas.microsoft.com/office/drawing/2014/main" id="{314A0A64-EA0C-4063-BA39-0EDA8C2A4A92}"/>
+              </a:ext>
+            </a:extLst>
+          </p:cNvPr>
+          <p:cNvSpPr txBox="1">
+            <a:spLocks/>
+          </p:cNvSpPr>
+          <p:nvPr/>
+        </p:nvSpPr>
+        <p:spPr>
+          <a:xfrm>
+            <a:off x="0" y="38849"/>
+            <a:ext cx="8983300" cy="572425"/>
+          </a:xfrm>
+          <a:prstGeom prst="rect">
+            <a:avLst/>
+          </a:prstGeom>
+        </p:spPr>
+        <p:txBody>
+          <a:bodyPr vert="horz" lIns="91440" tIns="45720" rIns="91440" bIns="45720" rtlCol="0" anchor="ctr">
+            <a:normAutofit fontScale="90000" lnSpcReduction="20000"/>
+          </a:bodyPr>
+          <a:lstStyle>
+            <a:lvl1pPr algn="l" defTabSz="914400" rtl="0" eaLnBrk="1" latinLnBrk="0" hangingPunct="1">
+              <a:lnSpc>
+                <a:spcPct val="90000"/>
+              </a:lnSpc>
+              <a:spcBef>
+                <a:spcPct val="0"/>
+              </a:spcBef>
+              <a:buNone/>
+              <a:defRPr sz="4400" kern="1200">
+                <a:solidFill>
+                  <a:schemeClr val="tx1"/>
+                </a:solidFill>
+                <a:latin typeface="+mj-lt"/>
+                <a:ea typeface="+mj-ea"/>
+                <a:cs typeface="+mj-cs"/>
+              </a:defRPr>
+            </a:lvl1pPr>
+          </a:lstStyle>
+          <a:p>
+            <a:r>
+              <a:rPr lang="en-US" dirty="0">
+                <a:latin typeface="Cambria" panose="02040503050406030204" pitchFamily="18" charset="0"/>
+                <a:ea typeface="Cambria" panose="02040503050406030204" pitchFamily="18" charset="0"/>
+              </a:rPr>
+              <a:t>Outliers</a:t>
+            </a:r>
+            <a:endParaRPr lang="en-CA" dirty="0">
+              <a:latin typeface="Cambria" panose="02040503050406030204" pitchFamily="18" charset="0"/>
+              <a:ea typeface="Cambria" panose="02040503050406030204" pitchFamily="18" charset="0"/>
+            </a:endParaRPr>
+          </a:p>
+        </p:txBody>
+      </p:sp>
+    </p:spTree>
+    <p:extLst>
+      <p:ext uri="{BB962C8B-B14F-4D97-AF65-F5344CB8AC3E}">
+        <p14:creationId xmlns:p14="http://schemas.microsoft.com/office/powerpoint/2010/main" val="4288601611"/>
+      </p:ext>
+    </p:extLst>
+  </p:cSld>
+  <p:clrMapOvr>
+    <a:masterClrMapping/>
+  </p:clrMapOvr>
+</p:sld>
+</file>
+
 <file path=ppt/theme/theme1.xml><?xml version="1.0" encoding="utf-8"?>
 <a:theme xmlns:a="http://schemas.openxmlformats.org/drawingml/2006/main" name="Office Theme">
   <a:themeElements>
